--- a/trunk/DOC/Pocket Money.pptx
+++ b/trunk/DOC/Pocket Money.pptx
@@ -294,6 +294,7 @@
           <a:p>
             <a:fld id="{6720EE08-B31F-42A1-90C3-BAE2C34888F4}" type="datetimeFigureOut">
               <a:rPr lang="ko-KR" altLang="en-US" smtClean="0"/>
+              <a:pPr/>
               <a:t>2010-06-22</a:t>
             </a:fld>
             <a:endParaRPr lang="ko-KR" altLang="en-US"/>
@@ -336,6 +337,7 @@
           <a:p>
             <a:fld id="{85A2830A-4B4E-49BB-9B90-5B76F2885D82}" type="slidenum">
               <a:rPr lang="ko-KR" altLang="en-US" smtClean="0"/>
+              <a:pPr/>
               <a:t>‹#›</a:t>
             </a:fld>
             <a:endParaRPr lang="ko-KR" altLang="en-US"/>
@@ -459,6 +461,7 @@
           <a:p>
             <a:fld id="{6720EE08-B31F-42A1-90C3-BAE2C34888F4}" type="datetimeFigureOut">
               <a:rPr lang="ko-KR" altLang="en-US" smtClean="0"/>
+              <a:pPr/>
               <a:t>2010-06-22</a:t>
             </a:fld>
             <a:endParaRPr lang="ko-KR" altLang="en-US"/>
@@ -501,6 +504,7 @@
           <a:p>
             <a:fld id="{85A2830A-4B4E-49BB-9B90-5B76F2885D82}" type="slidenum">
               <a:rPr lang="ko-KR" altLang="en-US" smtClean="0"/>
+              <a:pPr/>
               <a:t>‹#›</a:t>
             </a:fld>
             <a:endParaRPr lang="ko-KR" altLang="en-US"/>
@@ -634,6 +638,7 @@
           <a:p>
             <a:fld id="{6720EE08-B31F-42A1-90C3-BAE2C34888F4}" type="datetimeFigureOut">
               <a:rPr lang="ko-KR" altLang="en-US" smtClean="0"/>
+              <a:pPr/>
               <a:t>2010-06-22</a:t>
             </a:fld>
             <a:endParaRPr lang="ko-KR" altLang="en-US"/>
@@ -676,6 +681,7 @@
           <a:p>
             <a:fld id="{85A2830A-4B4E-49BB-9B90-5B76F2885D82}" type="slidenum">
               <a:rPr lang="ko-KR" altLang="en-US" smtClean="0"/>
+              <a:pPr/>
               <a:t>‹#›</a:t>
             </a:fld>
             <a:endParaRPr lang="ko-KR" altLang="en-US"/>
@@ -799,6 +805,7 @@
           <a:p>
             <a:fld id="{6720EE08-B31F-42A1-90C3-BAE2C34888F4}" type="datetimeFigureOut">
               <a:rPr lang="ko-KR" altLang="en-US" smtClean="0"/>
+              <a:pPr/>
               <a:t>2010-06-22</a:t>
             </a:fld>
             <a:endParaRPr lang="ko-KR" altLang="en-US"/>
@@ -841,6 +848,7 @@
           <a:p>
             <a:fld id="{85A2830A-4B4E-49BB-9B90-5B76F2885D82}" type="slidenum">
               <a:rPr lang="ko-KR" altLang="en-US" smtClean="0"/>
+              <a:pPr/>
               <a:t>‹#›</a:t>
             </a:fld>
             <a:endParaRPr lang="ko-KR" altLang="en-US"/>
@@ -1040,6 +1048,7 @@
           <a:p>
             <a:fld id="{6720EE08-B31F-42A1-90C3-BAE2C34888F4}" type="datetimeFigureOut">
               <a:rPr lang="ko-KR" altLang="en-US" smtClean="0"/>
+              <a:pPr/>
               <a:t>2010-06-22</a:t>
             </a:fld>
             <a:endParaRPr lang="ko-KR" altLang="en-US"/>
@@ -1082,6 +1091,7 @@
           <a:p>
             <a:fld id="{85A2830A-4B4E-49BB-9B90-5B76F2885D82}" type="slidenum">
               <a:rPr lang="ko-KR" altLang="en-US" smtClean="0"/>
+              <a:pPr/>
               <a:t>‹#›</a:t>
             </a:fld>
             <a:endParaRPr lang="ko-KR" altLang="en-US"/>
@@ -1323,6 +1333,7 @@
           <a:p>
             <a:fld id="{6720EE08-B31F-42A1-90C3-BAE2C34888F4}" type="datetimeFigureOut">
               <a:rPr lang="ko-KR" altLang="en-US" smtClean="0"/>
+              <a:pPr/>
               <a:t>2010-06-22</a:t>
             </a:fld>
             <a:endParaRPr lang="ko-KR" altLang="en-US"/>
@@ -1365,6 +1376,7 @@
           <a:p>
             <a:fld id="{85A2830A-4B4E-49BB-9B90-5B76F2885D82}" type="slidenum">
               <a:rPr lang="ko-KR" altLang="en-US" smtClean="0"/>
+              <a:pPr/>
               <a:t>‹#›</a:t>
             </a:fld>
             <a:endParaRPr lang="ko-KR" altLang="en-US"/>
@@ -1740,6 +1752,7 @@
           <a:p>
             <a:fld id="{6720EE08-B31F-42A1-90C3-BAE2C34888F4}" type="datetimeFigureOut">
               <a:rPr lang="ko-KR" altLang="en-US" smtClean="0"/>
+              <a:pPr/>
               <a:t>2010-06-22</a:t>
             </a:fld>
             <a:endParaRPr lang="ko-KR" altLang="en-US"/>
@@ -1782,6 +1795,7 @@
           <a:p>
             <a:fld id="{85A2830A-4B4E-49BB-9B90-5B76F2885D82}" type="slidenum">
               <a:rPr lang="ko-KR" altLang="en-US" smtClean="0"/>
+              <a:pPr/>
               <a:t>‹#›</a:t>
             </a:fld>
             <a:endParaRPr lang="ko-KR" altLang="en-US"/>
@@ -1853,6 +1867,7 @@
           <a:p>
             <a:fld id="{6720EE08-B31F-42A1-90C3-BAE2C34888F4}" type="datetimeFigureOut">
               <a:rPr lang="ko-KR" altLang="en-US" smtClean="0"/>
+              <a:pPr/>
               <a:t>2010-06-22</a:t>
             </a:fld>
             <a:endParaRPr lang="ko-KR" altLang="en-US"/>
@@ -1895,6 +1910,7 @@
           <a:p>
             <a:fld id="{85A2830A-4B4E-49BB-9B90-5B76F2885D82}" type="slidenum">
               <a:rPr lang="ko-KR" altLang="en-US" smtClean="0"/>
+              <a:pPr/>
               <a:t>‹#›</a:t>
             </a:fld>
             <a:endParaRPr lang="ko-KR" altLang="en-US"/>
@@ -1943,6 +1959,7 @@
           <a:p>
             <a:fld id="{6720EE08-B31F-42A1-90C3-BAE2C34888F4}" type="datetimeFigureOut">
               <a:rPr lang="ko-KR" altLang="en-US" smtClean="0"/>
+              <a:pPr/>
               <a:t>2010-06-22</a:t>
             </a:fld>
             <a:endParaRPr lang="ko-KR" altLang="en-US"/>
@@ -1985,6 +2002,7 @@
           <a:p>
             <a:fld id="{85A2830A-4B4E-49BB-9B90-5B76F2885D82}" type="slidenum">
               <a:rPr lang="ko-KR" altLang="en-US" smtClean="0"/>
+              <a:pPr/>
               <a:t>‹#›</a:t>
             </a:fld>
             <a:endParaRPr lang="ko-KR" altLang="en-US"/>
@@ -2215,6 +2233,7 @@
           <a:p>
             <a:fld id="{6720EE08-B31F-42A1-90C3-BAE2C34888F4}" type="datetimeFigureOut">
               <a:rPr lang="ko-KR" altLang="en-US" smtClean="0"/>
+              <a:pPr/>
               <a:t>2010-06-22</a:t>
             </a:fld>
             <a:endParaRPr lang="ko-KR" altLang="en-US"/>
@@ -2257,6 +2276,7 @@
           <a:p>
             <a:fld id="{85A2830A-4B4E-49BB-9B90-5B76F2885D82}" type="slidenum">
               <a:rPr lang="ko-KR" altLang="en-US" smtClean="0"/>
+              <a:pPr/>
               <a:t>‹#›</a:t>
             </a:fld>
             <a:endParaRPr lang="ko-KR" altLang="en-US"/>
@@ -2463,6 +2483,7 @@
           <a:p>
             <a:fld id="{6720EE08-B31F-42A1-90C3-BAE2C34888F4}" type="datetimeFigureOut">
               <a:rPr lang="ko-KR" altLang="en-US" smtClean="0"/>
+              <a:pPr/>
               <a:t>2010-06-22</a:t>
             </a:fld>
             <a:endParaRPr lang="ko-KR" altLang="en-US"/>
@@ -2505,6 +2526,7 @@
           <a:p>
             <a:fld id="{85A2830A-4B4E-49BB-9B90-5B76F2885D82}" type="slidenum">
               <a:rPr lang="ko-KR" altLang="en-US" smtClean="0"/>
+              <a:pPr/>
               <a:t>‹#›</a:t>
             </a:fld>
             <a:endParaRPr lang="ko-KR" altLang="en-US"/>
@@ -2671,6 +2693,7 @@
           <a:p>
             <a:fld id="{6720EE08-B31F-42A1-90C3-BAE2C34888F4}" type="datetimeFigureOut">
               <a:rPr lang="ko-KR" altLang="en-US" smtClean="0"/>
+              <a:pPr/>
               <a:t>2010-06-22</a:t>
             </a:fld>
             <a:endParaRPr lang="ko-KR" altLang="en-US"/>
@@ -2749,6 +2772,7 @@
           <a:p>
             <a:fld id="{85A2830A-4B4E-49BB-9B90-5B76F2885D82}" type="slidenum">
               <a:rPr lang="ko-KR" altLang="en-US" smtClean="0"/>
+              <a:pPr/>
               <a:t>‹#›</a:t>
             </a:fld>
             <a:endParaRPr lang="ko-KR" altLang="en-US"/>
@@ -3548,7 +3572,7 @@
         </p:blipFill>
         <p:spPr bwMode="auto">
           <a:xfrm>
-            <a:off x="5786446" y="1142984"/>
+            <a:off x="5715008" y="1214422"/>
             <a:ext cx="3048000" cy="4572000"/>
           </a:xfrm>
           <a:prstGeom prst="rect">
